--- a/go presentation.pptx
+++ b/go presentation.pptx
@@ -292,7 +292,7 @@
             <a:fld id="{533737AA-C3CF-D142-81ED-4D67C78A22DC}" type="datetimeFigureOut">
               <a:rPr lang="en-US" smtClean="0"/>
               <a:pPr/>
-              <a:t>10/10/2014</a:t>
+              <a:t>10/13/2014</a:t>
             </a:fld>
             <a:endParaRPr lang="en-US"/>
           </a:p>
@@ -344,7 +344,7 @@
     </p:spTree>
     <p:extLst>
       <p:ext uri="{BB962C8B-B14F-4D97-AF65-F5344CB8AC3E}">
-        <p14:creationId xmlns:p14="http://schemas.microsoft.com/office/powerpoint/2010/main" xmlns="" val="589976"/>
+        <p14:creationId xmlns="" xmlns:p14="http://schemas.microsoft.com/office/powerpoint/2010/main" val="589976"/>
       </p:ext>
     </p:extLst>
   </p:cSld>
@@ -464,7 +464,7 @@
             <a:fld id="{533737AA-C3CF-D142-81ED-4D67C78A22DC}" type="datetimeFigureOut">
               <a:rPr lang="en-US" smtClean="0"/>
               <a:pPr/>
-              <a:t>10/10/2014</a:t>
+              <a:t>10/13/2014</a:t>
             </a:fld>
             <a:endParaRPr lang="en-US"/>
           </a:p>
@@ -516,7 +516,7 @@
     </p:spTree>
     <p:extLst>
       <p:ext uri="{BB962C8B-B14F-4D97-AF65-F5344CB8AC3E}">
-        <p14:creationId xmlns:p14="http://schemas.microsoft.com/office/powerpoint/2010/main" xmlns="" val="4065570684"/>
+        <p14:creationId xmlns="" xmlns:p14="http://schemas.microsoft.com/office/powerpoint/2010/main" val="4065570684"/>
       </p:ext>
     </p:extLst>
   </p:cSld>
@@ -646,7 +646,7 @@
             <a:fld id="{533737AA-C3CF-D142-81ED-4D67C78A22DC}" type="datetimeFigureOut">
               <a:rPr lang="en-US" smtClean="0"/>
               <a:pPr/>
-              <a:t>10/10/2014</a:t>
+              <a:t>10/13/2014</a:t>
             </a:fld>
             <a:endParaRPr lang="en-US"/>
           </a:p>
@@ -698,7 +698,7 @@
     </p:spTree>
     <p:extLst>
       <p:ext uri="{BB962C8B-B14F-4D97-AF65-F5344CB8AC3E}">
-        <p14:creationId xmlns:p14="http://schemas.microsoft.com/office/powerpoint/2010/main" xmlns="" val="1063804237"/>
+        <p14:creationId xmlns="" xmlns:p14="http://schemas.microsoft.com/office/powerpoint/2010/main" val="1063804237"/>
       </p:ext>
     </p:extLst>
   </p:cSld>
@@ -818,7 +818,7 @@
             <a:fld id="{533737AA-C3CF-D142-81ED-4D67C78A22DC}" type="datetimeFigureOut">
               <a:rPr lang="en-US" smtClean="0"/>
               <a:pPr/>
-              <a:t>10/10/2014</a:t>
+              <a:t>10/13/2014</a:t>
             </a:fld>
             <a:endParaRPr lang="en-US"/>
           </a:p>
@@ -870,7 +870,7 @@
     </p:spTree>
     <p:extLst>
       <p:ext uri="{BB962C8B-B14F-4D97-AF65-F5344CB8AC3E}">
-        <p14:creationId xmlns:p14="http://schemas.microsoft.com/office/powerpoint/2010/main" xmlns="" val="3511011721"/>
+        <p14:creationId xmlns="" xmlns:p14="http://schemas.microsoft.com/office/powerpoint/2010/main" val="3511011721"/>
       </p:ext>
     </p:extLst>
   </p:cSld>
@@ -1066,7 +1066,7 @@
             <a:fld id="{533737AA-C3CF-D142-81ED-4D67C78A22DC}" type="datetimeFigureOut">
               <a:rPr lang="en-US" smtClean="0"/>
               <a:pPr/>
-              <a:t>10/10/2014</a:t>
+              <a:t>10/13/2014</a:t>
             </a:fld>
             <a:endParaRPr lang="en-US"/>
           </a:p>
@@ -1118,7 +1118,7 @@
     </p:spTree>
     <p:extLst>
       <p:ext uri="{BB962C8B-B14F-4D97-AF65-F5344CB8AC3E}">
-        <p14:creationId xmlns:p14="http://schemas.microsoft.com/office/powerpoint/2010/main" xmlns="" val="3993852329"/>
+        <p14:creationId xmlns="" xmlns:p14="http://schemas.microsoft.com/office/powerpoint/2010/main" val="3993852329"/>
       </p:ext>
     </p:extLst>
   </p:cSld>
@@ -1356,7 +1356,7 @@
             <a:fld id="{533737AA-C3CF-D142-81ED-4D67C78A22DC}" type="datetimeFigureOut">
               <a:rPr lang="en-US" smtClean="0"/>
               <a:pPr/>
-              <a:t>10/10/2014</a:t>
+              <a:t>10/13/2014</a:t>
             </a:fld>
             <a:endParaRPr lang="en-US"/>
           </a:p>
@@ -1408,7 +1408,7 @@
     </p:spTree>
     <p:extLst>
       <p:ext uri="{BB962C8B-B14F-4D97-AF65-F5344CB8AC3E}">
-        <p14:creationId xmlns:p14="http://schemas.microsoft.com/office/powerpoint/2010/main" xmlns="" val="2684341504"/>
+        <p14:creationId xmlns="" xmlns:p14="http://schemas.microsoft.com/office/powerpoint/2010/main" val="2684341504"/>
       </p:ext>
     </p:extLst>
   </p:cSld>
@@ -1780,7 +1780,7 @@
             <a:fld id="{533737AA-C3CF-D142-81ED-4D67C78A22DC}" type="datetimeFigureOut">
               <a:rPr lang="en-US" smtClean="0"/>
               <a:pPr/>
-              <a:t>10/10/2014</a:t>
+              <a:t>10/13/2014</a:t>
             </a:fld>
             <a:endParaRPr lang="en-US"/>
           </a:p>
@@ -1832,7 +1832,7 @@
     </p:spTree>
     <p:extLst>
       <p:ext uri="{BB962C8B-B14F-4D97-AF65-F5344CB8AC3E}">
-        <p14:creationId xmlns:p14="http://schemas.microsoft.com/office/powerpoint/2010/main" xmlns="" val="3727797034"/>
+        <p14:creationId xmlns="" xmlns:p14="http://schemas.microsoft.com/office/powerpoint/2010/main" val="3727797034"/>
       </p:ext>
     </p:extLst>
   </p:cSld>
@@ -1900,7 +1900,7 @@
             <a:fld id="{533737AA-C3CF-D142-81ED-4D67C78A22DC}" type="datetimeFigureOut">
               <a:rPr lang="en-US" smtClean="0"/>
               <a:pPr/>
-              <a:t>10/10/2014</a:t>
+              <a:t>10/13/2014</a:t>
             </a:fld>
             <a:endParaRPr lang="en-US"/>
           </a:p>
@@ -1952,7 +1952,7 @@
     </p:spTree>
     <p:extLst>
       <p:ext uri="{BB962C8B-B14F-4D97-AF65-F5344CB8AC3E}">
-        <p14:creationId xmlns:p14="http://schemas.microsoft.com/office/powerpoint/2010/main" xmlns="" val="4142934756"/>
+        <p14:creationId xmlns="" xmlns:p14="http://schemas.microsoft.com/office/powerpoint/2010/main" val="4142934756"/>
       </p:ext>
     </p:extLst>
   </p:cSld>
@@ -1997,7 +1997,7 @@
             <a:fld id="{533737AA-C3CF-D142-81ED-4D67C78A22DC}" type="datetimeFigureOut">
               <a:rPr lang="en-US" smtClean="0"/>
               <a:pPr/>
-              <a:t>10/10/2014</a:t>
+              <a:t>10/13/2014</a:t>
             </a:fld>
             <a:endParaRPr lang="en-US"/>
           </a:p>
@@ -2049,7 +2049,7 @@
     </p:spTree>
     <p:extLst>
       <p:ext uri="{BB962C8B-B14F-4D97-AF65-F5344CB8AC3E}">
-        <p14:creationId xmlns:p14="http://schemas.microsoft.com/office/powerpoint/2010/main" xmlns="" val="2594396381"/>
+        <p14:creationId xmlns="" xmlns:p14="http://schemas.microsoft.com/office/powerpoint/2010/main" val="2594396381"/>
       </p:ext>
     </p:extLst>
   </p:cSld>
@@ -2276,7 +2276,7 @@
             <a:fld id="{533737AA-C3CF-D142-81ED-4D67C78A22DC}" type="datetimeFigureOut">
               <a:rPr lang="en-US" smtClean="0"/>
               <a:pPr/>
-              <a:t>10/10/2014</a:t>
+              <a:t>10/13/2014</a:t>
             </a:fld>
             <a:endParaRPr lang="en-US"/>
           </a:p>
@@ -2328,7 +2328,7 @@
     </p:spTree>
     <p:extLst>
       <p:ext uri="{BB962C8B-B14F-4D97-AF65-F5344CB8AC3E}">
-        <p14:creationId xmlns:p14="http://schemas.microsoft.com/office/powerpoint/2010/main" xmlns="" val="1378139639"/>
+        <p14:creationId xmlns="" xmlns:p14="http://schemas.microsoft.com/office/powerpoint/2010/main" val="1378139639"/>
       </p:ext>
     </p:extLst>
   </p:cSld>
@@ -2531,7 +2531,7 @@
             <a:fld id="{533737AA-C3CF-D142-81ED-4D67C78A22DC}" type="datetimeFigureOut">
               <a:rPr lang="en-US" smtClean="0"/>
               <a:pPr/>
-              <a:t>10/10/2014</a:t>
+              <a:t>10/13/2014</a:t>
             </a:fld>
             <a:endParaRPr lang="en-US"/>
           </a:p>
@@ -2583,7 +2583,7 @@
     </p:spTree>
     <p:extLst>
       <p:ext uri="{BB962C8B-B14F-4D97-AF65-F5344CB8AC3E}">
-        <p14:creationId xmlns:p14="http://schemas.microsoft.com/office/powerpoint/2010/main" xmlns="" val="3027817777"/>
+        <p14:creationId xmlns="" xmlns:p14="http://schemas.microsoft.com/office/powerpoint/2010/main" val="3027817777"/>
       </p:ext>
     </p:extLst>
   </p:cSld>
@@ -2746,7 +2746,7 @@
             <a:fld id="{533737AA-C3CF-D142-81ED-4D67C78A22DC}" type="datetimeFigureOut">
               <a:rPr lang="en-US" smtClean="0"/>
               <a:pPr/>
-              <a:t>10/10/2014</a:t>
+              <a:t>10/13/2014</a:t>
             </a:fld>
             <a:endParaRPr lang="en-US"/>
           </a:p>
@@ -2834,7 +2834,7 @@
     </p:spTree>
     <p:extLst>
       <p:ext uri="{BB962C8B-B14F-4D97-AF65-F5344CB8AC3E}">
-        <p14:creationId xmlns:p14="http://schemas.microsoft.com/office/powerpoint/2010/main" xmlns="" val="2846576278"/>
+        <p14:creationId xmlns="" xmlns:p14="http://schemas.microsoft.com/office/powerpoint/2010/main" val="2846576278"/>
       </p:ext>
     </p:extLst>
   </p:cSld>
@@ -3134,7 +3134,7 @@
           <a:blip r:embed="rId2">
             <a:extLst>
               <a:ext uri="{28A0092B-C50C-407E-A947-70E740481C1C}">
-                <a14:useLocalDpi xmlns:a14="http://schemas.microsoft.com/office/drawing/2010/main" xmlns="" val="0"/>
+                <a14:useLocalDpi xmlns="" xmlns:a14="http://schemas.microsoft.com/office/drawing/2010/main" val="0"/>
               </a:ext>
             </a:extLst>
           </a:blip>
@@ -3194,7 +3194,7 @@
     </p:spTree>
     <p:extLst>
       <p:ext uri="{BB962C8B-B14F-4D97-AF65-F5344CB8AC3E}">
-        <p14:creationId xmlns:p14="http://schemas.microsoft.com/office/powerpoint/2010/main" xmlns="" val="1061901073"/>
+        <p14:creationId xmlns="" xmlns:p14="http://schemas.microsoft.com/office/powerpoint/2010/main" val="1061901073"/>
       </p:ext>
     </p:extLst>
   </p:cSld>
@@ -3282,7 +3282,7 @@
           <a:blip r:embed="rId2">
             <a:extLst>
               <a:ext uri="{28A0092B-C50C-407E-A947-70E740481C1C}">
-                <a14:useLocalDpi xmlns:a14="http://schemas.microsoft.com/office/drawing/2010/main" xmlns="" val="0"/>
+                <a14:useLocalDpi xmlns="" xmlns:a14="http://schemas.microsoft.com/office/drawing/2010/main" val="0"/>
               </a:ext>
             </a:extLst>
           </a:blip>
@@ -3303,7 +3303,7 @@
     </p:spTree>
     <p:extLst>
       <p:ext uri="{BB962C8B-B14F-4D97-AF65-F5344CB8AC3E}">
-        <p14:creationId xmlns:p14="http://schemas.microsoft.com/office/powerpoint/2010/main" xmlns="" val="2711948198"/>
+        <p14:creationId xmlns="" xmlns:p14="http://schemas.microsoft.com/office/powerpoint/2010/main" val="2711948198"/>
       </p:ext>
     </p:extLst>
   </p:cSld>
@@ -3349,7 +3349,7 @@
           <a:blip r:embed="rId2">
             <a:extLst>
               <a:ext uri="{28A0092B-C50C-407E-A947-70E740481C1C}">
-                <a14:useLocalDpi xmlns:a14="http://schemas.microsoft.com/office/drawing/2010/main" xmlns="" val="0"/>
+                <a14:useLocalDpi xmlns="" xmlns:a14="http://schemas.microsoft.com/office/drawing/2010/main" val="0"/>
               </a:ext>
             </a:extLst>
           </a:blip>
@@ -3376,7 +3376,7 @@
         <p:spPr>
           <a:xfrm>
             <a:off x="1130060" y="1155939"/>
-            <a:ext cx="7185804" cy="2031325"/>
+            <a:ext cx="7185804" cy="3970318"/>
           </a:xfrm>
           <a:prstGeom prst="rect">
             <a:avLst/>
@@ -3418,34 +3418,125 @@
               <a:rPr lang="en-US" dirty="0" smtClean="0">
                 <a:hlinkClick r:id="rId3"/>
               </a:rPr>
-              <a:t>http://golang.org</a:t>
+              <a:t>http://golang.org/dl</a:t>
+            </a:r>
+            <a:r>
+              <a:rPr lang="en-US" dirty="0" smtClean="0">
+                <a:hlinkClick r:id="rId3"/>
+              </a:rPr>
+              <a:t>/</a:t>
             </a:r>
             <a:endParaRPr lang="en-US" dirty="0" smtClean="0"/>
           </a:p>
           <a:p>
+            <a:r>
+              <a:rPr lang="en-US" dirty="0" smtClean="0"/>
+              <a:t>$ </a:t>
+            </a:r>
+            <a:r>
+              <a:rPr lang="en-US" dirty="0" err="1" smtClean="0"/>
+              <a:t>sudo</a:t>
+            </a:r>
+            <a:r>
+              <a:rPr lang="en-US" dirty="0" smtClean="0"/>
+              <a:t> apt-get install </a:t>
+            </a:r>
+            <a:r>
+              <a:rPr lang="en-US" dirty="0" err="1" smtClean="0"/>
+              <a:t>golang</a:t>
+            </a:r>
+            <a:r>
+              <a:rPr lang="en-US" dirty="0" smtClean="0"/>
+              <a:t>-go</a:t>
+            </a:r>
+          </a:p>
+          <a:p>
             <a:endParaRPr lang="en-US" dirty="0" smtClean="0"/>
           </a:p>
           <a:p>
             <a:r>
               <a:rPr lang="en-US" dirty="0" smtClean="0"/>
-              <a:t>Hands on </a:t>
-            </a:r>
-            <a:r>
-              <a:rPr lang="en-US" smtClean="0"/>
-              <a:t>demos</a:t>
-            </a:r>
-            <a:r>
-              <a:rPr lang="en-US" smtClean="0"/>
-              <a:t>:</a:t>
+              <a:t>Open a console:</a:t>
             </a:r>
             <a:endParaRPr lang="en-US" dirty="0" smtClean="0"/>
           </a:p>
-        </p:txBody>
-      </p:sp>
+          <a:p>
+            <a:endParaRPr lang="en-US" dirty="0" smtClean="0"/>
+          </a:p>
+          <a:p>
+            <a:r>
+              <a:rPr lang="en-US" dirty="0" smtClean="0"/>
+              <a:t>$ go version </a:t>
+            </a:r>
+            <a:endParaRPr lang="en-US" dirty="0" smtClean="0"/>
+          </a:p>
+          <a:p>
+            <a:endParaRPr lang="en-US" dirty="0" smtClean="0"/>
+          </a:p>
+          <a:p>
+            <a:r>
+              <a:rPr lang="en-US" dirty="0" smtClean="0"/>
+              <a:t># </a:t>
+            </a:r>
+            <a:r>
+              <a:rPr lang="en-US" dirty="0" smtClean="0"/>
+              <a:t>should work [may require new </a:t>
+            </a:r>
+            <a:r>
+              <a:rPr lang="en-US" dirty="0" smtClean="0"/>
+              <a:t>console </a:t>
+            </a:r>
+            <a:r>
+              <a:rPr lang="en-US" smtClean="0"/>
+              <a:t>and/or reboot]</a:t>
+            </a:r>
+            <a:endParaRPr lang="en-US" dirty="0" smtClean="0"/>
+          </a:p>
+          <a:p>
+            <a:endParaRPr lang="en-US" dirty="0" smtClean="0"/>
+          </a:p>
+          <a:p>
+            <a:r>
+              <a:rPr lang="en-US" dirty="0" smtClean="0"/>
+              <a:t>Hands </a:t>
+            </a:r>
+            <a:r>
+              <a:rPr lang="en-US" dirty="0" smtClean="0"/>
+              <a:t>on demos:</a:t>
+            </a:r>
+          </a:p>
+        </p:txBody>
+      </p:sp>
+      <p:pic>
+        <p:nvPicPr>
+          <p:cNvPr id="2050" name="Picture 2" descr="https://golang.org/doc/gopher/gopherbw.png"/>
+          <p:cNvPicPr>
+            <a:picLocks noChangeAspect="1" noChangeArrowheads="1"/>
+          </p:cNvPicPr>
+          <p:nvPr/>
+        </p:nvPicPr>
+        <p:blipFill>
+          <a:blip r:embed="rId4"/>
+          <a:srcRect/>
+          <a:stretch>
+            <a:fillRect/>
+          </a:stretch>
+        </p:blipFill>
+        <p:spPr bwMode="auto">
+          <a:xfrm>
+            <a:off x="6212744" y="967665"/>
+            <a:ext cx="2103120" cy="2103120"/>
+          </a:xfrm>
+          <a:prstGeom prst="rect">
+            <a:avLst/>
+          </a:prstGeom>
+          <a:noFill/>
+        </p:spPr>
+      </p:pic>
     </p:spTree>
     <p:extLst>
       <p:ext uri="{BB962C8B-B14F-4D97-AF65-F5344CB8AC3E}">
-        <p14:creationId xmlns:p14="http://schemas.microsoft.com/office/powerpoint/2010/main" xmlns="" val="1375348420"/>
+        <p14:creationId xmlns="" xmlns:p14="http://schemas.microsoft.com/office/powerpoint/2010/main" val="1375348420"/>
       </p:ext>
     </p:extLst>
   </p:cSld>
@@ -3491,7 +3582,7 @@
           <a:blip r:embed="rId2">
             <a:extLst>
               <a:ext uri="{28A0092B-C50C-407E-A947-70E740481C1C}">
-                <a14:useLocalDpi xmlns:a14="http://schemas.microsoft.com/office/drawing/2010/main" xmlns="" val="0"/>
+                <a14:useLocalDpi xmlns="" xmlns:a14="http://schemas.microsoft.com/office/drawing/2010/main" val="0"/>
               </a:ext>
             </a:extLst>
           </a:blip>
@@ -3567,7 +3658,7 @@
           <a:blip r:embed="rId3">
             <a:extLst>
               <a:ext uri="{28A0092B-C50C-407E-A947-70E740481C1C}">
-                <a14:useLocalDpi xmlns:a14="http://schemas.microsoft.com/office/drawing/2010/main" xmlns="" val="0"/>
+                <a14:useLocalDpi xmlns="" xmlns:a14="http://schemas.microsoft.com/office/drawing/2010/main" val="0"/>
               </a:ext>
             </a:extLst>
           </a:blip>
@@ -3588,7 +3679,7 @@
     </p:spTree>
     <p:extLst>
       <p:ext uri="{BB962C8B-B14F-4D97-AF65-F5344CB8AC3E}">
-        <p14:creationId xmlns:p14="http://schemas.microsoft.com/office/powerpoint/2010/main" xmlns="" val="3106474642"/>
+        <p14:creationId xmlns="" xmlns:p14="http://schemas.microsoft.com/office/powerpoint/2010/main" val="3106474642"/>
       </p:ext>
     </p:extLst>
   </p:cSld>
